--- a/SLD/sld-css-mapbox-gl-style.pptx
+++ b/SLD/sld-css-mapbox-gl-style.pptx
@@ -215,7 +215,7 @@
           <a:p>
             <a:fld id="{2A93514A-9113-4661-8A50-F22E3837FD1F}" type="datetimeFigureOut">
               <a:rPr lang="nl-NL" smtClean="0"/>
-              <a:t>19-8-2020</a:t>
+              <a:t>25-8-2020</a:t>
             </a:fld>
             <a:endParaRPr lang="nl-NL"/>
           </a:p>
@@ -501,6 +501,138 @@
       </p:grpSpPr>
       <p:sp>
         <p:nvSpPr>
+          <p:cNvPr id="2" name="Tijdelijke aanduiding voor dia-afbeelding 1"/>
+          <p:cNvSpPr>
+            <a:spLocks noGrp="1" noRot="1" noChangeAspect="1"/>
+          </p:cNvSpPr>
+          <p:nvPr>
+            <p:ph type="sldImg"/>
+          </p:nvPr>
+        </p:nvSpPr>
+        <p:spPr/>
+      </p:sp>
+      <p:sp>
+        <p:nvSpPr>
+          <p:cNvPr id="3" name="Tijdelijke aanduiding voor notities 2"/>
+          <p:cNvSpPr>
+            <a:spLocks noGrp="1"/>
+          </p:cNvSpPr>
+          <p:nvPr>
+            <p:ph type="body" idx="1"/>
+          </p:nvPr>
+        </p:nvSpPr>
+        <p:spPr/>
+        <p:txBody>
+          <a:bodyPr/>
+          <a:lstStyle/>
+          <a:p>
+            <a:r>
+              <a:rPr lang="en-US" dirty="0" err="1"/>
+              <a:t>Laatste</a:t>
+            </a:r>
+            <a:r>
+              <a:rPr lang="en-US" dirty="0"/>
+              <a:t> set </a:t>
+            </a:r>
+            <a:r>
+              <a:rPr lang="en-US" dirty="0" err="1"/>
+              <a:t>bestanden</a:t>
+            </a:r>
+            <a:r>
+              <a:rPr lang="en-US" dirty="0"/>
+              <a:t> die </a:t>
+            </a:r>
+            <a:r>
+              <a:rPr lang="en-US" dirty="0" err="1"/>
+              <a:t>gepubliceerd</a:t>
+            </a:r>
+            <a:r>
+              <a:rPr lang="en-US" dirty="0"/>
+              <a:t> </a:t>
+            </a:r>
+            <a:r>
+              <a:rPr lang="en-US" dirty="0" err="1"/>
+              <a:t>waren</a:t>
+            </a:r>
+            <a:r>
+              <a:rPr lang="en-US" dirty="0"/>
+              <a:t> </a:t>
+            </a:r>
+            <a:r>
+              <a:rPr lang="en-US" dirty="0" err="1"/>
+              <a:t>bij</a:t>
+            </a:r>
+            <a:r>
+              <a:rPr lang="en-US" dirty="0"/>
+              <a:t> het </a:t>
+            </a:r>
+            <a:r>
+              <a:rPr lang="en-US" dirty="0" err="1"/>
+              <a:t>presentatiemodel</a:t>
+            </a:r>
+            <a:r>
+              <a:rPr lang="en-US" dirty="0"/>
+              <a:t>.</a:t>
+            </a:r>
+            <a:endParaRPr lang="nl-NL" dirty="0"/>
+          </a:p>
+        </p:txBody>
+      </p:sp>
+      <p:sp>
+        <p:nvSpPr>
+          <p:cNvPr id="4" name="Tijdelijke aanduiding voor dianummer 3"/>
+          <p:cNvSpPr>
+            <a:spLocks noGrp="1"/>
+          </p:cNvSpPr>
+          <p:nvPr>
+            <p:ph type="sldNum" sz="quarter" idx="5"/>
+          </p:nvPr>
+        </p:nvSpPr>
+        <p:spPr/>
+        <p:txBody>
+          <a:bodyPr/>
+          <a:lstStyle/>
+          <a:p>
+            <a:fld id="{87075A78-11BF-424B-A62E-744C6B91B03D}" type="slidenum">
+              <a:rPr lang="nl-NL" smtClean="0"/>
+              <a:t>2</a:t>
+            </a:fld>
+            <a:endParaRPr lang="nl-NL"/>
+          </a:p>
+        </p:txBody>
+      </p:sp>
+    </p:spTree>
+    <p:extLst>
+      <p:ext uri="{BB962C8B-B14F-4D97-AF65-F5344CB8AC3E}">
+        <p14:creationId xmlns:p14="http://schemas.microsoft.com/office/powerpoint/2010/main" val="2839134589"/>
+      </p:ext>
+    </p:extLst>
+  </p:cSld>
+  <p:clrMapOvr>
+    <a:masterClrMapping/>
+  </p:clrMapOvr>
+</p:notes>
+</file>
+
+<file path=ppt/notesSlides/notesSlide2.xml><?xml version="1.0" encoding="utf-8"?>
+<p:notes xmlns:a="http://schemas.openxmlformats.org/drawingml/2006/main" xmlns:r="http://schemas.openxmlformats.org/officeDocument/2006/relationships" xmlns:p="http://schemas.openxmlformats.org/presentationml/2006/main">
+  <p:cSld>
+    <p:spTree>
+      <p:nvGrpSpPr>
+        <p:cNvPr id="1" name=""/>
+        <p:cNvGrpSpPr/>
+        <p:nvPr/>
+      </p:nvGrpSpPr>
+      <p:grpSpPr>
+        <a:xfrm>
+          <a:off x="0" y="0"/>
+          <a:ext cx="0" cy="0"/>
+          <a:chOff x="0" y="0"/>
+          <a:chExt cx="0" cy="0"/>
+        </a:xfrm>
+      </p:grpSpPr>
+      <p:sp>
+        <p:nvSpPr>
           <p:cNvPr id="2" name="Slide Image Placeholder 1"/>
           <p:cNvSpPr>
             <a:spLocks noGrp="1" noRot="1" noChangeAspect="1"/>
@@ -528,7 +660,39 @@
           <a:p>
             <a:r>
               <a:rPr lang="en-GB" dirty="0"/>
-              <a:t>Excel </a:t>
+              <a:t>Oud: de rode </a:t>
+            </a:r>
+            <a:r>
+              <a:rPr lang="en-GB" dirty="0" err="1"/>
+              <a:t>stippellijnen</a:t>
+            </a:r>
+            <a:r>
+              <a:rPr lang="en-GB" dirty="0"/>
+              <a:t> </a:t>
+            </a:r>
+            <a:r>
+              <a:rPr lang="en-GB" dirty="0" err="1"/>
+              <a:t>zijn</a:t>
+            </a:r>
+            <a:r>
+              <a:rPr lang="en-GB" dirty="0"/>
+              <a:t> </a:t>
+            </a:r>
+            <a:r>
+              <a:rPr lang="en-GB" dirty="0" err="1"/>
+              <a:t>handmatige</a:t>
+            </a:r>
+            <a:r>
+              <a:rPr lang="en-GB" dirty="0"/>
+              <a:t> </a:t>
+            </a:r>
+            <a:r>
+              <a:rPr lang="en-GB" dirty="0" err="1"/>
+              <a:t>bewerkingen</a:t>
+            </a:r>
+            <a:r>
+              <a:rPr lang="en-GB" dirty="0"/>
+              <a:t>. Excel </a:t>
             </a:r>
             <a:r>
               <a:rPr lang="en-GB" dirty="0" err="1"/>
@@ -552,18 +716,33 @@
             </a:r>
             <a:r>
               <a:rPr lang="en-GB" dirty="0"/>
+              <a:t>.</a:t>
+            </a:r>
+          </a:p>
+          <a:p>
+            <a:r>
+              <a:rPr lang="en-GB" dirty="0" err="1"/>
+              <a:t>Nieuw</a:t>
+            </a:r>
+            <a:r>
+              <a:rPr lang="en-GB" dirty="0"/>
+              <a:t>: de </a:t>
+            </a:r>
+            <a:r>
+              <a:rPr lang="en-GB" dirty="0" err="1"/>
+              <a:t>groene</a:t>
+            </a:r>
+            <a:r>
+              <a:rPr lang="en-GB" dirty="0"/>
               <a:t> </a:t>
             </a:r>
             <a:r>
               <a:rPr lang="en-GB" dirty="0" err="1"/>
-              <a:t>verdwijnen</a:t>
-            </a:r>
-            <a:endParaRPr lang="en-GB" dirty="0"/>
-          </a:p>
-          <a:p>
+              <a:t>lijnen</a:t>
+            </a:r>
             <a:r>
               <a:rPr lang="en-GB" dirty="0"/>
-              <a:t>Door stylesheet </a:t>
+              <a:t> </a:t>
             </a:r>
             <a:r>
               <a:rPr lang="en-GB" dirty="0" err="1"/>
@@ -571,6 +750,54 @@
             </a:r>
             <a:r>
               <a:rPr lang="en-GB" dirty="0"/>
+              <a:t> </a:t>
+            </a:r>
+            <a:r>
+              <a:rPr lang="en-GB" dirty="0" err="1"/>
+              <a:t>automatische</a:t>
+            </a:r>
+            <a:r>
+              <a:rPr lang="en-GB" dirty="0"/>
+              <a:t> </a:t>
+            </a:r>
+            <a:r>
+              <a:rPr lang="en-GB" dirty="0" err="1"/>
+              <a:t>processen</a:t>
+            </a:r>
+            <a:r>
+              <a:rPr lang="en-GB" dirty="0"/>
+              <a:t>; met </a:t>
+            </a:r>
+            <a:r>
+              <a:rPr lang="en-GB" dirty="0" err="1"/>
+              <a:t>een</a:t>
+            </a:r>
+            <a:r>
+              <a:rPr lang="en-GB" dirty="0"/>
+              <a:t> stylesheet die van de SLD </a:t>
+            </a:r>
+            <a:r>
+              <a:rPr lang="en-GB" dirty="0" err="1"/>
+              <a:t>wordt</a:t>
+            </a:r>
+            <a:r>
+              <a:rPr lang="en-GB" dirty="0"/>
+              <a:t> </a:t>
+            </a:r>
+            <a:r>
+              <a:rPr lang="en-GB" dirty="0" err="1"/>
+              <a:t>gemaakt</a:t>
+            </a:r>
+            <a:r>
+              <a:rPr lang="en-GB" dirty="0"/>
+              <a:t> </a:t>
+            </a:r>
+            <a:r>
+              <a:rPr lang="en-GB" dirty="0" err="1"/>
+              <a:t>zijn</a:t>
+            </a:r>
+            <a:r>
+              <a:rPr lang="en-GB" dirty="0"/>
               <a:t> de </a:t>
             </a:r>
             <a:r>
@@ -579,6 +806,57 @@
             </a:r>
             <a:r>
               <a:rPr lang="en-GB" dirty="0"/>
+              <a:t> in de browser </a:t>
+            </a:r>
+            <a:r>
+              <a:rPr lang="en-GB" dirty="0" err="1"/>
+              <a:t>te</a:t>
+            </a:r>
+            <a:r>
+              <a:rPr lang="en-GB" dirty="0"/>
+              <a:t> </a:t>
+            </a:r>
+            <a:r>
+              <a:rPr lang="en-GB" dirty="0" err="1"/>
+              <a:t>visualiseren</a:t>
+            </a:r>
+            <a:endParaRPr lang="en-GB" dirty="0"/>
+          </a:p>
+          <a:p>
+            <a:r>
+              <a:rPr lang="en-GB" dirty="0"/>
+              <a:t>De </a:t>
+            </a:r>
+            <a:r>
+              <a:rPr lang="en-GB" dirty="0" err="1"/>
+              <a:t>symbolenbibliotheek</a:t>
+            </a:r>
+            <a:r>
+              <a:rPr lang="en-GB" dirty="0"/>
+              <a:t> </a:t>
+            </a:r>
+            <a:r>
+              <a:rPr lang="en-GB" dirty="0" err="1"/>
+              <a:t>wordt</a:t>
+            </a:r>
+            <a:r>
+              <a:rPr lang="en-GB" dirty="0"/>
+              <a:t> direct </a:t>
+            </a:r>
+            <a:r>
+              <a:rPr lang="en-GB" dirty="0" err="1"/>
+              <a:t>vanaf</a:t>
+            </a:r>
+            <a:r>
+              <a:rPr lang="en-GB" dirty="0"/>
+              <a:t> de SLD </a:t>
+            </a:r>
+            <a:r>
+              <a:rPr lang="en-GB" dirty="0" err="1"/>
+              <a:t>gemaakt</a:t>
+            </a:r>
+            <a:r>
+              <a:rPr lang="en-GB" dirty="0"/>
               <a:t> </a:t>
             </a:r>
             <a:r>
@@ -587,15 +865,15 @@
             </a:r>
             <a:r>
               <a:rPr lang="en-GB" dirty="0"/>
-              <a:t> </a:t>
+              <a:t> is met </a:t>
             </a:r>
             <a:r>
               <a:rPr lang="en-GB" dirty="0" err="1"/>
-              <a:t>symbolenbibliotheek</a:t>
+              <a:t>een</a:t>
             </a:r>
             <a:r>
               <a:rPr lang="en-GB" dirty="0"/>
-              <a:t> in de browser </a:t>
+              <a:t> stylesheet in de browser </a:t>
             </a:r>
             <a:r>
               <a:rPr lang="en-GB" dirty="0" err="1"/>
@@ -640,6 +918,705 @@
     <p:extLst>
       <p:ext uri="{BB962C8B-B14F-4D97-AF65-F5344CB8AC3E}">
         <p14:creationId xmlns:p14="http://schemas.microsoft.com/office/powerpoint/2010/main" val="1365566779"/>
+      </p:ext>
+    </p:extLst>
+  </p:cSld>
+  <p:clrMapOvr>
+    <a:masterClrMapping/>
+  </p:clrMapOvr>
+</p:notes>
+</file>
+
+<file path=ppt/notesSlides/notesSlide3.xml><?xml version="1.0" encoding="utf-8"?>
+<p:notes xmlns:a="http://schemas.openxmlformats.org/drawingml/2006/main" xmlns:r="http://schemas.openxmlformats.org/officeDocument/2006/relationships" xmlns:p="http://schemas.openxmlformats.org/presentationml/2006/main">
+  <p:cSld>
+    <p:spTree>
+      <p:nvGrpSpPr>
+        <p:cNvPr id="1" name=""/>
+        <p:cNvGrpSpPr/>
+        <p:nvPr/>
+      </p:nvGrpSpPr>
+      <p:grpSpPr>
+        <a:xfrm>
+          <a:off x="0" y="0"/>
+          <a:ext cx="0" cy="0"/>
+          <a:chOff x="0" y="0"/>
+          <a:chExt cx="0" cy="0"/>
+        </a:xfrm>
+      </p:grpSpPr>
+      <p:sp>
+        <p:nvSpPr>
+          <p:cNvPr id="2" name="Tijdelijke aanduiding voor dia-afbeelding 1"/>
+          <p:cNvSpPr>
+            <a:spLocks noGrp="1" noRot="1" noChangeAspect="1"/>
+          </p:cNvSpPr>
+          <p:nvPr>
+            <p:ph type="sldImg"/>
+          </p:nvPr>
+        </p:nvSpPr>
+        <p:spPr/>
+      </p:sp>
+      <p:sp>
+        <p:nvSpPr>
+          <p:cNvPr id="3" name="Tijdelijke aanduiding voor notities 2"/>
+          <p:cNvSpPr>
+            <a:spLocks noGrp="1"/>
+          </p:cNvSpPr>
+          <p:nvPr>
+            <p:ph type="body" idx="1"/>
+          </p:nvPr>
+        </p:nvSpPr>
+        <p:spPr/>
+        <p:txBody>
+          <a:bodyPr/>
+          <a:lstStyle/>
+          <a:p>
+            <a:r>
+              <a:rPr lang="en-US" dirty="0"/>
+              <a:t>Oud: </a:t>
+            </a:r>
+            <a:r>
+              <a:rPr lang="en-US" dirty="0" err="1"/>
+              <a:t>alles</a:t>
+            </a:r>
+            <a:r>
+              <a:rPr lang="en-US" dirty="0"/>
+              <a:t> in 1 </a:t>
+            </a:r>
+            <a:r>
+              <a:rPr lang="en-US" dirty="0" err="1"/>
+              <a:t>grote</a:t>
+            </a:r>
+            <a:r>
+              <a:rPr lang="en-US" dirty="0"/>
+              <a:t> </a:t>
+            </a:r>
+            <a:r>
+              <a:rPr lang="en-US" dirty="0" err="1"/>
+              <a:t>bak</a:t>
+            </a:r>
+            <a:r>
+              <a:rPr lang="en-US" dirty="0"/>
+              <a:t>, </a:t>
+            </a:r>
+            <a:r>
+              <a:rPr lang="en-US" dirty="0" err="1"/>
+              <a:t>weinig</a:t>
+            </a:r>
+            <a:r>
+              <a:rPr lang="en-US" dirty="0"/>
+              <a:t> </a:t>
+            </a:r>
+            <a:r>
+              <a:rPr lang="en-US" dirty="0" err="1"/>
+              <a:t>informatie</a:t>
+            </a:r>
+            <a:endParaRPr lang="en-US" dirty="0"/>
+          </a:p>
+          <a:p>
+            <a:r>
+              <a:rPr lang="en-US" dirty="0" err="1"/>
+              <a:t>Nieuw</a:t>
+            </a:r>
+            <a:r>
+              <a:rPr lang="en-US" dirty="0"/>
+              <a:t>: per </a:t>
+            </a:r>
+            <a:r>
+              <a:rPr lang="en-US" dirty="0" err="1"/>
+              <a:t>soort</a:t>
+            </a:r>
+            <a:r>
+              <a:rPr lang="en-US" dirty="0"/>
+              <a:t> </a:t>
+            </a:r>
+            <a:r>
+              <a:rPr lang="en-US" dirty="0" err="1"/>
+              <a:t>geometrie</a:t>
+            </a:r>
+            <a:r>
+              <a:rPr lang="en-US" dirty="0"/>
+              <a:t> </a:t>
+            </a:r>
+            <a:r>
+              <a:rPr lang="en-US" dirty="0" err="1"/>
+              <a:t>een</a:t>
+            </a:r>
+            <a:r>
+              <a:rPr lang="en-US" dirty="0"/>
+              <a:t> SLD, per </a:t>
+            </a:r>
+            <a:r>
+              <a:rPr lang="en-US" dirty="0" err="1"/>
+              <a:t>uitvoering</a:t>
+            </a:r>
+            <a:r>
+              <a:rPr lang="en-US" dirty="0"/>
+              <a:t> </a:t>
+            </a:r>
+            <a:r>
+              <a:rPr lang="en-US" dirty="0" err="1"/>
+              <a:t>een</a:t>
+            </a:r>
+            <a:r>
+              <a:rPr lang="en-US" dirty="0"/>
+              <a:t> </a:t>
+            </a:r>
+            <a:r>
+              <a:rPr lang="en-US" dirty="0" err="1"/>
+              <a:t>groep</a:t>
+            </a:r>
+            <a:r>
+              <a:rPr lang="en-US" dirty="0"/>
+              <a:t> (</a:t>
+            </a:r>
+            <a:r>
+              <a:rPr lang="en-US" dirty="0" err="1"/>
+              <a:t>FeatureTypeStyle</a:t>
+            </a:r>
+            <a:r>
+              <a:rPr lang="en-US" dirty="0"/>
+              <a:t>)</a:t>
+            </a:r>
+          </a:p>
+          <a:p>
+            <a:r>
+              <a:rPr lang="en-US" dirty="0"/>
+              <a:t>Meer </a:t>
+            </a:r>
+            <a:r>
+              <a:rPr lang="en-US" dirty="0" err="1"/>
+              <a:t>namen</a:t>
+            </a:r>
+            <a:r>
+              <a:rPr lang="en-US" dirty="0"/>
+              <a:t> </a:t>
+            </a:r>
+            <a:r>
+              <a:rPr lang="en-US" dirty="0" err="1"/>
+              <a:t>en</a:t>
+            </a:r>
+            <a:r>
+              <a:rPr lang="en-US" dirty="0"/>
+              <a:t> </a:t>
+            </a:r>
+            <a:r>
+              <a:rPr lang="en-US" dirty="0" err="1"/>
+              <a:t>omschrijvingen</a:t>
+            </a:r>
+            <a:r>
+              <a:rPr lang="en-US" dirty="0"/>
+              <a:t> </a:t>
+            </a:r>
+            <a:r>
+              <a:rPr lang="en-US" dirty="0" err="1"/>
+              <a:t>toegevoegd</a:t>
+            </a:r>
+            <a:endParaRPr lang="nl-NL" dirty="0"/>
+          </a:p>
+        </p:txBody>
+      </p:sp>
+      <p:sp>
+        <p:nvSpPr>
+          <p:cNvPr id="4" name="Tijdelijke aanduiding voor dianummer 3"/>
+          <p:cNvSpPr>
+            <a:spLocks noGrp="1"/>
+          </p:cNvSpPr>
+          <p:nvPr>
+            <p:ph type="sldNum" sz="quarter" idx="5"/>
+          </p:nvPr>
+        </p:nvSpPr>
+        <p:spPr/>
+        <p:txBody>
+          <a:bodyPr/>
+          <a:lstStyle/>
+          <a:p>
+            <a:fld id="{87075A78-11BF-424B-A62E-744C6B91B03D}" type="slidenum">
+              <a:rPr lang="nl-NL" smtClean="0"/>
+              <a:t>4</a:t>
+            </a:fld>
+            <a:endParaRPr lang="nl-NL"/>
+          </a:p>
+        </p:txBody>
+      </p:sp>
+    </p:spTree>
+    <p:extLst>
+      <p:ext uri="{BB962C8B-B14F-4D97-AF65-F5344CB8AC3E}">
+        <p14:creationId xmlns:p14="http://schemas.microsoft.com/office/powerpoint/2010/main" val="240786462"/>
+      </p:ext>
+    </p:extLst>
+  </p:cSld>
+  <p:clrMapOvr>
+    <a:masterClrMapping/>
+  </p:clrMapOvr>
+</p:notes>
+</file>
+
+<file path=ppt/notesSlides/notesSlide4.xml><?xml version="1.0" encoding="utf-8"?>
+<p:notes xmlns:a="http://schemas.openxmlformats.org/drawingml/2006/main" xmlns:r="http://schemas.openxmlformats.org/officeDocument/2006/relationships" xmlns:p="http://schemas.openxmlformats.org/presentationml/2006/main">
+  <p:cSld>
+    <p:spTree>
+      <p:nvGrpSpPr>
+        <p:cNvPr id="1" name=""/>
+        <p:cNvGrpSpPr/>
+        <p:nvPr/>
+      </p:nvGrpSpPr>
+      <p:grpSpPr>
+        <a:xfrm>
+          <a:off x="0" y="0"/>
+          <a:ext cx="0" cy="0"/>
+          <a:chOff x="0" y="0"/>
+          <a:chExt cx="0" cy="0"/>
+        </a:xfrm>
+      </p:grpSpPr>
+      <p:sp>
+        <p:nvSpPr>
+          <p:cNvPr id="2" name="Tijdelijke aanduiding voor dia-afbeelding 1"/>
+          <p:cNvSpPr>
+            <a:spLocks noGrp="1" noRot="1" noChangeAspect="1"/>
+          </p:cNvSpPr>
+          <p:nvPr>
+            <p:ph type="sldImg"/>
+          </p:nvPr>
+        </p:nvSpPr>
+        <p:spPr/>
+      </p:sp>
+      <p:sp>
+        <p:nvSpPr>
+          <p:cNvPr id="3" name="Tijdelijke aanduiding voor notities 2"/>
+          <p:cNvSpPr>
+            <a:spLocks noGrp="1"/>
+          </p:cNvSpPr>
+          <p:nvPr>
+            <p:ph type="body" idx="1"/>
+          </p:nvPr>
+        </p:nvSpPr>
+        <p:spPr/>
+        <p:txBody>
+          <a:bodyPr/>
+          <a:lstStyle/>
+          <a:p>
+            <a:endParaRPr lang="nl-NL" dirty="0"/>
+          </a:p>
+        </p:txBody>
+      </p:sp>
+      <p:sp>
+        <p:nvSpPr>
+          <p:cNvPr id="4" name="Tijdelijke aanduiding voor dianummer 3"/>
+          <p:cNvSpPr>
+            <a:spLocks noGrp="1"/>
+          </p:cNvSpPr>
+          <p:nvPr>
+            <p:ph type="sldNum" sz="quarter" idx="5"/>
+          </p:nvPr>
+        </p:nvSpPr>
+        <p:spPr/>
+        <p:txBody>
+          <a:bodyPr/>
+          <a:lstStyle/>
+          <a:p>
+            <a:fld id="{87075A78-11BF-424B-A62E-744C6B91B03D}" type="slidenum">
+              <a:rPr lang="nl-NL" smtClean="0"/>
+              <a:t>5</a:t>
+            </a:fld>
+            <a:endParaRPr lang="nl-NL"/>
+          </a:p>
+        </p:txBody>
+      </p:sp>
+    </p:spTree>
+    <p:extLst>
+      <p:ext uri="{BB962C8B-B14F-4D97-AF65-F5344CB8AC3E}">
+        <p14:creationId xmlns:p14="http://schemas.microsoft.com/office/powerpoint/2010/main" val="175137126"/>
+      </p:ext>
+    </p:extLst>
+  </p:cSld>
+  <p:clrMapOvr>
+    <a:masterClrMapping/>
+  </p:clrMapOvr>
+</p:notes>
+</file>
+
+<file path=ppt/notesSlides/notesSlide5.xml><?xml version="1.0" encoding="utf-8"?>
+<p:notes xmlns:a="http://schemas.openxmlformats.org/drawingml/2006/main" xmlns:r="http://schemas.openxmlformats.org/officeDocument/2006/relationships" xmlns:p="http://schemas.openxmlformats.org/presentationml/2006/main">
+  <p:cSld>
+    <p:spTree>
+      <p:nvGrpSpPr>
+        <p:cNvPr id="1" name=""/>
+        <p:cNvGrpSpPr/>
+        <p:nvPr/>
+      </p:nvGrpSpPr>
+      <p:grpSpPr>
+        <a:xfrm>
+          <a:off x="0" y="0"/>
+          <a:ext cx="0" cy="0"/>
+          <a:chOff x="0" y="0"/>
+          <a:chExt cx="0" cy="0"/>
+        </a:xfrm>
+      </p:grpSpPr>
+      <p:sp>
+        <p:nvSpPr>
+          <p:cNvPr id="2" name="Tijdelijke aanduiding voor dia-afbeelding 1"/>
+          <p:cNvSpPr>
+            <a:spLocks noGrp="1" noRot="1" noChangeAspect="1"/>
+          </p:cNvSpPr>
+          <p:nvPr>
+            <p:ph type="sldImg"/>
+          </p:nvPr>
+        </p:nvSpPr>
+        <p:spPr/>
+      </p:sp>
+      <p:sp>
+        <p:nvSpPr>
+          <p:cNvPr id="3" name="Tijdelijke aanduiding voor notities 2"/>
+          <p:cNvSpPr>
+            <a:spLocks noGrp="1"/>
+          </p:cNvSpPr>
+          <p:nvPr>
+            <p:ph type="body" idx="1"/>
+          </p:nvPr>
+        </p:nvSpPr>
+        <p:spPr/>
+        <p:txBody>
+          <a:bodyPr/>
+          <a:lstStyle/>
+          <a:p>
+            <a:r>
+              <a:rPr lang="en-US" dirty="0"/>
+              <a:t>Boven: </a:t>
+            </a:r>
+            <a:r>
+              <a:rPr lang="en-US" dirty="0" err="1"/>
+              <a:t>niet</a:t>
+            </a:r>
+            <a:r>
+              <a:rPr lang="en-US" dirty="0"/>
+              <a:t> </a:t>
+            </a:r>
+            <a:r>
+              <a:rPr lang="en-US" dirty="0" err="1"/>
+              <a:t>opgemaakte</a:t>
+            </a:r>
+            <a:r>
+              <a:rPr lang="en-US" dirty="0"/>
+              <a:t> XML </a:t>
+            </a:r>
+            <a:r>
+              <a:rPr lang="en-US" dirty="0" err="1"/>
+              <a:t>weergave</a:t>
+            </a:r>
+            <a:r>
+              <a:rPr lang="en-US" dirty="0"/>
+              <a:t> van </a:t>
+            </a:r>
+            <a:r>
+              <a:rPr lang="en-US" dirty="0" err="1"/>
+              <a:t>een</a:t>
+            </a:r>
+            <a:r>
+              <a:rPr lang="en-US" dirty="0"/>
+              <a:t> </a:t>
+            </a:r>
+            <a:r>
+              <a:rPr lang="en-US" dirty="0" err="1"/>
+              <a:t>waarde</a:t>
+            </a:r>
+            <a:endParaRPr lang="en-US" dirty="0"/>
+          </a:p>
+          <a:p>
+            <a:r>
+              <a:rPr lang="en-US" dirty="0" err="1"/>
+              <a:t>Onder</a:t>
+            </a:r>
+            <a:r>
+              <a:rPr lang="en-US" dirty="0"/>
+              <a:t>: </a:t>
+            </a:r>
+            <a:r>
+              <a:rPr lang="en-US" dirty="0" err="1"/>
+              <a:t>opgemaakt</a:t>
+            </a:r>
+            <a:r>
+              <a:rPr lang="en-US" dirty="0"/>
+              <a:t> met de stylesheet die van de SLD is </a:t>
+            </a:r>
+            <a:r>
+              <a:rPr lang="en-US" dirty="0" err="1"/>
+              <a:t>gemaakt</a:t>
+            </a:r>
+            <a:endParaRPr lang="nl-NL" dirty="0"/>
+          </a:p>
+        </p:txBody>
+      </p:sp>
+      <p:sp>
+        <p:nvSpPr>
+          <p:cNvPr id="4" name="Tijdelijke aanduiding voor dianummer 3"/>
+          <p:cNvSpPr>
+            <a:spLocks noGrp="1"/>
+          </p:cNvSpPr>
+          <p:nvPr>
+            <p:ph type="sldNum" sz="quarter" idx="5"/>
+          </p:nvPr>
+        </p:nvSpPr>
+        <p:spPr/>
+        <p:txBody>
+          <a:bodyPr/>
+          <a:lstStyle/>
+          <a:p>
+            <a:fld id="{87075A78-11BF-424B-A62E-744C6B91B03D}" type="slidenum">
+              <a:rPr lang="nl-NL" smtClean="0"/>
+              <a:t>6</a:t>
+            </a:fld>
+            <a:endParaRPr lang="nl-NL"/>
+          </a:p>
+        </p:txBody>
+      </p:sp>
+    </p:spTree>
+    <p:extLst>
+      <p:ext uri="{BB962C8B-B14F-4D97-AF65-F5344CB8AC3E}">
+        <p14:creationId xmlns:p14="http://schemas.microsoft.com/office/powerpoint/2010/main" val="1865431818"/>
+      </p:ext>
+    </p:extLst>
+  </p:cSld>
+  <p:clrMapOvr>
+    <a:masterClrMapping/>
+  </p:clrMapOvr>
+</p:notes>
+</file>
+
+<file path=ppt/notesSlides/notesSlide6.xml><?xml version="1.0" encoding="utf-8"?>
+<p:notes xmlns:a="http://schemas.openxmlformats.org/drawingml/2006/main" xmlns:r="http://schemas.openxmlformats.org/officeDocument/2006/relationships" xmlns:p="http://schemas.openxmlformats.org/presentationml/2006/main">
+  <p:cSld>
+    <p:spTree>
+      <p:nvGrpSpPr>
+        <p:cNvPr id="1" name=""/>
+        <p:cNvGrpSpPr/>
+        <p:nvPr/>
+      </p:nvGrpSpPr>
+      <p:grpSpPr>
+        <a:xfrm>
+          <a:off x="0" y="0"/>
+          <a:ext cx="0" cy="0"/>
+          <a:chOff x="0" y="0"/>
+          <a:chExt cx="0" cy="0"/>
+        </a:xfrm>
+      </p:grpSpPr>
+      <p:sp>
+        <p:nvSpPr>
+          <p:cNvPr id="2" name="Tijdelijke aanduiding voor dia-afbeelding 1"/>
+          <p:cNvSpPr>
+            <a:spLocks noGrp="1" noRot="1" noChangeAspect="1"/>
+          </p:cNvSpPr>
+          <p:nvPr>
+            <p:ph type="sldImg"/>
+          </p:nvPr>
+        </p:nvSpPr>
+        <p:spPr/>
+      </p:sp>
+      <p:sp>
+        <p:nvSpPr>
+          <p:cNvPr id="3" name="Tijdelijke aanduiding voor notities 2"/>
+          <p:cNvSpPr>
+            <a:spLocks noGrp="1"/>
+          </p:cNvSpPr>
+          <p:nvPr>
+            <p:ph type="body" idx="1"/>
+          </p:nvPr>
+        </p:nvSpPr>
+        <p:spPr/>
+        <p:txBody>
+          <a:bodyPr/>
+          <a:lstStyle/>
+          <a:p>
+            <a:r>
+              <a:rPr lang="en-US" dirty="0"/>
+              <a:t>Links: </a:t>
+            </a:r>
+            <a:r>
+              <a:rPr lang="en-US" dirty="0" err="1"/>
+              <a:t>voorbeeld</a:t>
+            </a:r>
+            <a:r>
+              <a:rPr lang="en-US" dirty="0"/>
+              <a:t> SLD </a:t>
+            </a:r>
+            <a:r>
+              <a:rPr lang="en-US" dirty="0" err="1"/>
+              <a:t>en</a:t>
+            </a:r>
+            <a:r>
+              <a:rPr lang="en-US" dirty="0"/>
+              <a:t> de stylesheet die </a:t>
+            </a:r>
+            <a:r>
+              <a:rPr lang="en-US" dirty="0" err="1"/>
+              <a:t>hiervan</a:t>
+            </a:r>
+            <a:r>
+              <a:rPr lang="en-US" dirty="0"/>
+              <a:t> </a:t>
+            </a:r>
+            <a:r>
+              <a:rPr lang="en-US" dirty="0" err="1"/>
+              <a:t>wordt</a:t>
+            </a:r>
+            <a:r>
+              <a:rPr lang="en-US" dirty="0"/>
+              <a:t> </a:t>
+            </a:r>
+            <a:r>
+              <a:rPr lang="en-US" dirty="0" err="1"/>
+              <a:t>gemaakt</a:t>
+            </a:r>
+            <a:endParaRPr lang="en-US" dirty="0"/>
+          </a:p>
+          <a:p>
+            <a:r>
+              <a:rPr lang="en-US" dirty="0" err="1"/>
+              <a:t>Rechts</a:t>
+            </a:r>
+            <a:r>
+              <a:rPr lang="en-US" dirty="0"/>
+              <a:t>: </a:t>
+            </a:r>
+            <a:r>
+              <a:rPr lang="en-US" dirty="0" err="1"/>
+              <a:t>dezelfde</a:t>
+            </a:r>
+            <a:r>
+              <a:rPr lang="en-US" dirty="0"/>
+              <a:t> </a:t>
+            </a:r>
+            <a:r>
+              <a:rPr lang="en-US" dirty="0" err="1"/>
+              <a:t>stijl</a:t>
+            </a:r>
+            <a:r>
+              <a:rPr lang="en-US" dirty="0"/>
+              <a:t> in </a:t>
+            </a:r>
+            <a:r>
+              <a:rPr lang="en-US" dirty="0" err="1"/>
+              <a:t>Mapbox</a:t>
+            </a:r>
+            <a:r>
+              <a:rPr lang="en-US" dirty="0"/>
+              <a:t>-</a:t>
+            </a:r>
+            <a:r>
+              <a:rPr lang="en-US" dirty="0" err="1"/>
+              <a:t>gl</a:t>
+            </a:r>
+            <a:r>
+              <a:rPr lang="en-US" dirty="0"/>
+              <a:t>-style </a:t>
+            </a:r>
+            <a:r>
+              <a:rPr lang="en-US" dirty="0" err="1"/>
+              <a:t>zoals</a:t>
+            </a:r>
+            <a:r>
+              <a:rPr lang="en-US" dirty="0"/>
+              <a:t> in de Ozon viewer </a:t>
+            </a:r>
+            <a:r>
+              <a:rPr lang="en-US" dirty="0" err="1"/>
+              <a:t>gebruikt</a:t>
+            </a:r>
+            <a:r>
+              <a:rPr lang="en-US" dirty="0"/>
+              <a:t> </a:t>
+            </a:r>
+            <a:r>
+              <a:rPr lang="en-US" dirty="0" err="1"/>
+              <a:t>gaat</a:t>
+            </a:r>
+            <a:r>
+              <a:rPr lang="en-US" dirty="0"/>
+              <a:t> </a:t>
+            </a:r>
+            <a:r>
+              <a:rPr lang="en-US" dirty="0" err="1"/>
+              <a:t>worden</a:t>
+            </a:r>
+            <a:r>
+              <a:rPr lang="en-US" dirty="0"/>
+              <a:t> </a:t>
+            </a:r>
+            <a:r>
+              <a:rPr lang="en-US" dirty="0" err="1"/>
+              <a:t>en</a:t>
+            </a:r>
+            <a:r>
+              <a:rPr lang="en-US" dirty="0"/>
+              <a:t> </a:t>
+            </a:r>
+            <a:r>
+              <a:rPr lang="en-US" dirty="0" err="1"/>
+              <a:t>daaronder</a:t>
+            </a:r>
+            <a:r>
+              <a:rPr lang="en-US" dirty="0"/>
+              <a:t> </a:t>
+            </a:r>
+            <a:r>
+              <a:rPr lang="en-US" dirty="0" err="1"/>
+              <a:t>zoals</a:t>
+            </a:r>
+            <a:r>
+              <a:rPr lang="en-US" dirty="0"/>
+              <a:t> de SLD </a:t>
+            </a:r>
+            <a:r>
+              <a:rPr lang="en-US" dirty="0" err="1"/>
+              <a:t>informatie</a:t>
+            </a:r>
+            <a:r>
+              <a:rPr lang="en-US" dirty="0"/>
+              <a:t> in de GIO </a:t>
+            </a:r>
+            <a:r>
+              <a:rPr lang="en-US" dirty="0" err="1"/>
+              <a:t>terecht</a:t>
+            </a:r>
+            <a:r>
+              <a:rPr lang="en-US" dirty="0"/>
+              <a:t> </a:t>
+            </a:r>
+            <a:r>
+              <a:rPr lang="en-US" dirty="0" err="1"/>
+              <a:t>komt</a:t>
+            </a:r>
+            <a:endParaRPr lang="nl-NL" dirty="0"/>
+          </a:p>
+        </p:txBody>
+      </p:sp>
+      <p:sp>
+        <p:nvSpPr>
+          <p:cNvPr id="4" name="Tijdelijke aanduiding voor dianummer 3"/>
+          <p:cNvSpPr>
+            <a:spLocks noGrp="1"/>
+          </p:cNvSpPr>
+          <p:nvPr>
+            <p:ph type="sldNum" sz="quarter" idx="5"/>
+          </p:nvPr>
+        </p:nvSpPr>
+        <p:spPr/>
+        <p:txBody>
+          <a:bodyPr/>
+          <a:lstStyle/>
+          <a:p>
+            <a:fld id="{87075A78-11BF-424B-A62E-744C6B91B03D}" type="slidenum">
+              <a:rPr lang="nl-NL" smtClean="0"/>
+              <a:t>7</a:t>
+            </a:fld>
+            <a:endParaRPr lang="nl-NL"/>
+          </a:p>
+        </p:txBody>
+      </p:sp>
+    </p:spTree>
+    <p:extLst>
+      <p:ext uri="{BB962C8B-B14F-4D97-AF65-F5344CB8AC3E}">
+        <p14:creationId xmlns:p14="http://schemas.microsoft.com/office/powerpoint/2010/main" val="458782623"/>
       </p:ext>
     </p:extLst>
   </p:cSld>
@@ -796,7 +1773,7 @@
           <a:p>
             <a:fld id="{AE90834C-B00C-4691-B4D0-2F446165102F}" type="datetimeFigureOut">
               <a:rPr lang="nl-NL" smtClean="0"/>
-              <a:t>19-8-2020</a:t>
+              <a:t>25-8-2020</a:t>
             </a:fld>
             <a:endParaRPr lang="nl-NL"/>
           </a:p>
@@ -994,7 +1971,7 @@
           <a:p>
             <a:fld id="{AE90834C-B00C-4691-B4D0-2F446165102F}" type="datetimeFigureOut">
               <a:rPr lang="nl-NL" smtClean="0"/>
-              <a:t>19-8-2020</a:t>
+              <a:t>25-8-2020</a:t>
             </a:fld>
             <a:endParaRPr lang="nl-NL"/>
           </a:p>
@@ -1202,7 +2179,7 @@
           <a:p>
             <a:fld id="{AE90834C-B00C-4691-B4D0-2F446165102F}" type="datetimeFigureOut">
               <a:rPr lang="nl-NL" smtClean="0"/>
-              <a:t>19-8-2020</a:t>
+              <a:t>25-8-2020</a:t>
             </a:fld>
             <a:endParaRPr lang="nl-NL"/>
           </a:p>
@@ -1400,7 +2377,7 @@
           <a:p>
             <a:fld id="{AE90834C-B00C-4691-B4D0-2F446165102F}" type="datetimeFigureOut">
               <a:rPr lang="nl-NL" smtClean="0"/>
-              <a:t>19-8-2020</a:t>
+              <a:t>25-8-2020</a:t>
             </a:fld>
             <a:endParaRPr lang="nl-NL"/>
           </a:p>
@@ -1675,7 +2652,7 @@
           <a:p>
             <a:fld id="{AE90834C-B00C-4691-B4D0-2F446165102F}" type="datetimeFigureOut">
               <a:rPr lang="nl-NL" smtClean="0"/>
-              <a:t>19-8-2020</a:t>
+              <a:t>25-8-2020</a:t>
             </a:fld>
             <a:endParaRPr lang="nl-NL"/>
           </a:p>
@@ -1940,7 +2917,7 @@
           <a:p>
             <a:fld id="{AE90834C-B00C-4691-B4D0-2F446165102F}" type="datetimeFigureOut">
               <a:rPr lang="nl-NL" smtClean="0"/>
-              <a:t>19-8-2020</a:t>
+              <a:t>25-8-2020</a:t>
             </a:fld>
             <a:endParaRPr lang="nl-NL"/>
           </a:p>
@@ -2352,7 +3329,7 @@
           <a:p>
             <a:fld id="{AE90834C-B00C-4691-B4D0-2F446165102F}" type="datetimeFigureOut">
               <a:rPr lang="nl-NL" smtClean="0"/>
-              <a:t>19-8-2020</a:t>
+              <a:t>25-8-2020</a:t>
             </a:fld>
             <a:endParaRPr lang="nl-NL"/>
           </a:p>
@@ -2493,7 +3470,7 @@
           <a:p>
             <a:fld id="{AE90834C-B00C-4691-B4D0-2F446165102F}" type="datetimeFigureOut">
               <a:rPr lang="nl-NL" smtClean="0"/>
-              <a:t>19-8-2020</a:t>
+              <a:t>25-8-2020</a:t>
             </a:fld>
             <a:endParaRPr lang="nl-NL"/>
           </a:p>
@@ -2606,7 +3583,7 @@
           <a:p>
             <a:fld id="{AE90834C-B00C-4691-B4D0-2F446165102F}" type="datetimeFigureOut">
               <a:rPr lang="nl-NL" smtClean="0"/>
-              <a:t>19-8-2020</a:t>
+              <a:t>25-8-2020</a:t>
             </a:fld>
             <a:endParaRPr lang="nl-NL"/>
           </a:p>
@@ -2917,7 +3894,7 @@
           <a:p>
             <a:fld id="{AE90834C-B00C-4691-B4D0-2F446165102F}" type="datetimeFigureOut">
               <a:rPr lang="nl-NL" smtClean="0"/>
-              <a:t>19-8-2020</a:t>
+              <a:t>25-8-2020</a:t>
             </a:fld>
             <a:endParaRPr lang="nl-NL"/>
           </a:p>
@@ -3205,7 +4182,7 @@
           <a:p>
             <a:fld id="{AE90834C-B00C-4691-B4D0-2F446165102F}" type="datetimeFigureOut">
               <a:rPr lang="nl-NL" smtClean="0"/>
-              <a:t>19-8-2020</a:t>
+              <a:t>25-8-2020</a:t>
             </a:fld>
             <a:endParaRPr lang="nl-NL"/>
           </a:p>
@@ -3446,7 +4423,7 @@
           <a:p>
             <a:fld id="{AE90834C-B00C-4691-B4D0-2F446165102F}" type="datetimeFigureOut">
               <a:rPr lang="nl-NL" smtClean="0"/>
-              <a:t>19-8-2020</a:t>
+              <a:t>25-8-2020</a:t>
             </a:fld>
             <a:endParaRPr lang="nl-NL"/>
           </a:p>
@@ -4025,12 +5002,19 @@
               <a:rPr lang="en-US" dirty="0" err="1"/>
               <a:t>Symbolenbibliotheek</a:t>
             </a:r>
-            <a:endParaRPr lang="en-US" dirty="0"/>
+            <a:r>
+              <a:rPr lang="en-US" dirty="0"/>
+              <a:t> (Excel)</a:t>
+            </a:r>
           </a:p>
           <a:p>
             <a:r>
               <a:rPr lang="en-US" dirty="0" err="1"/>
               <a:t>Symbolisatietabellen</a:t>
+            </a:r>
+            <a:r>
+              <a:rPr lang="en-US" dirty="0"/>
+              <a:t> (Excel)</a:t>
             </a:r>
             <a:endParaRPr lang="nl-NL" dirty="0"/>
           </a:p>
@@ -5290,7 +6274,7 @@
           <p:nvPr/>
         </p:nvPicPr>
         <p:blipFill rotWithShape="1">
-          <a:blip r:embed="rId2"/>
+          <a:blip r:embed="rId3"/>
           <a:srcRect t="9649" r="67237" b="32982"/>
           <a:stretch/>
         </p:blipFill>
@@ -5449,7 +6433,7 @@
           <p:nvPr/>
         </p:nvPicPr>
         <p:blipFill rotWithShape="1">
-          <a:blip r:embed="rId2"/>
+          <a:blip r:embed="rId3"/>
           <a:srcRect t="43158" r="31721" b="44561"/>
           <a:stretch/>
         </p:blipFill>
@@ -5483,7 +6467,7 @@
           <p:nvPr/>
         </p:nvPicPr>
         <p:blipFill rotWithShape="1">
-          <a:blip r:embed="rId3"/>
+          <a:blip r:embed="rId4"/>
           <a:srcRect l="4441" t="25088" r="23026" b="57193"/>
           <a:stretch/>
         </p:blipFill>
